--- a/Day 9 & 10/1. Servlets/Slides/1. Introduction/1-java-servlets-m1.pptx
+++ b/Day 9 & 10/1. Servlets/Slides/1. Introduction/1-java-servlets-m1.pptx
@@ -5,40 +5,40 @@
     <p:sldMasterId id="2147483648" r:id="rId1"/>
   </p:sldMasterIdLst>
   <p:notesMasterIdLst>
-    <p:notesMasterId r:id="rId34"/>
+    <p:notesMasterId r:id="rId33"/>
   </p:notesMasterIdLst>
   <p:sldIdLst>
-    <p:sldId id="256" r:id="rId3"/>
-    <p:sldId id="257" r:id="rId4"/>
-    <p:sldId id="258" r:id="rId5"/>
-    <p:sldId id="259" r:id="rId6"/>
-    <p:sldId id="260" r:id="rId7"/>
-    <p:sldId id="261" r:id="rId8"/>
-    <p:sldId id="262" r:id="rId9"/>
-    <p:sldId id="263" r:id="rId10"/>
-    <p:sldId id="264" r:id="rId11"/>
-    <p:sldId id="265" r:id="rId12"/>
-    <p:sldId id="285" r:id="rId13"/>
-    <p:sldId id="286" r:id="rId14"/>
-    <p:sldId id="266" r:id="rId15"/>
-    <p:sldId id="267" r:id="rId16"/>
-    <p:sldId id="268" r:id="rId17"/>
-    <p:sldId id="269" r:id="rId18"/>
-    <p:sldId id="270" r:id="rId19"/>
-    <p:sldId id="271" r:id="rId20"/>
-    <p:sldId id="272" r:id="rId21"/>
-    <p:sldId id="273" r:id="rId22"/>
-    <p:sldId id="274" r:id="rId23"/>
-    <p:sldId id="275" r:id="rId24"/>
-    <p:sldId id="276" r:id="rId25"/>
-    <p:sldId id="277" r:id="rId26"/>
-    <p:sldId id="278" r:id="rId27"/>
-    <p:sldId id="279" r:id="rId28"/>
-    <p:sldId id="280" r:id="rId29"/>
-    <p:sldId id="281" r:id="rId30"/>
-    <p:sldId id="282" r:id="rId31"/>
-    <p:sldId id="283" r:id="rId32"/>
-    <p:sldId id="284" r:id="rId33"/>
+    <p:sldId id="256" r:id="rId2"/>
+    <p:sldId id="257" r:id="rId3"/>
+    <p:sldId id="258" r:id="rId4"/>
+    <p:sldId id="259" r:id="rId5"/>
+    <p:sldId id="260" r:id="rId6"/>
+    <p:sldId id="261" r:id="rId7"/>
+    <p:sldId id="262" r:id="rId8"/>
+    <p:sldId id="263" r:id="rId9"/>
+    <p:sldId id="264" r:id="rId10"/>
+    <p:sldId id="265" r:id="rId11"/>
+    <p:sldId id="285" r:id="rId12"/>
+    <p:sldId id="286" r:id="rId13"/>
+    <p:sldId id="266" r:id="rId14"/>
+    <p:sldId id="267" r:id="rId15"/>
+    <p:sldId id="268" r:id="rId16"/>
+    <p:sldId id="269" r:id="rId17"/>
+    <p:sldId id="270" r:id="rId18"/>
+    <p:sldId id="271" r:id="rId19"/>
+    <p:sldId id="272" r:id="rId20"/>
+    <p:sldId id="273" r:id="rId21"/>
+    <p:sldId id="274" r:id="rId22"/>
+    <p:sldId id="275" r:id="rId23"/>
+    <p:sldId id="276" r:id="rId24"/>
+    <p:sldId id="277" r:id="rId25"/>
+    <p:sldId id="278" r:id="rId26"/>
+    <p:sldId id="279" r:id="rId27"/>
+    <p:sldId id="280" r:id="rId28"/>
+    <p:sldId id="281" r:id="rId29"/>
+    <p:sldId id="282" r:id="rId30"/>
+    <p:sldId id="283" r:id="rId31"/>
+    <p:sldId id="284" r:id="rId32"/>
   </p:sldIdLst>
   <p:sldSz cx="12141200" cy="6858000"/>
   <p:notesSz cx="12141200" cy="6858000"/>
@@ -134,6 +134,22 @@
       </a:defRPr>
     </a:lvl9pPr>
   </p:defaultTextStyle>
+  <p:extLst>
+    <p:ext uri="{EFAFB233-063F-42B5-8137-9DF3F51BA10A}">
+      <p15:sldGuideLst xmlns:p15="http://schemas.microsoft.com/office/powerpoint/2012/main">
+        <p15:guide id="1" orient="horz" pos="2880">
+          <p15:clr>
+            <a:srgbClr val="A4A3A4"/>
+          </p15:clr>
+        </p15:guide>
+        <p15:guide id="2" pos="2160">
+          <p15:clr>
+            <a:srgbClr val="A4A3A4"/>
+          </p15:clr>
+        </p15:guide>
+      </p15:sldGuideLst>
+    </p:ext>
+  </p:extLst>
 </p:presentation>
 </file>
 
@@ -219,6 +235,7 @@
           <a:p>
             <a:fld id="{3EFD42F7-718C-4B98-AAEC-167E6DDD60A7}" type="datetimeFigureOut">
               <a:rPr lang="en-US" smtClean="0"/>
+              <a:t>8/12/2023</a:t>
             </a:fld>
             <a:endParaRPr lang="en-US"/>
           </a:p>
@@ -282,42 +299,37 @@
           <a:p>
             <a:pPr lvl="0"/>
             <a:r>
-              <a:rPr lang="en-US" smtClean="0"/>
+              <a:rPr lang="en-US"/>
               <a:t>Click to edit Master text styles</a:t>
             </a:r>
-            <a:endParaRPr lang="en-US" smtClean="0"/>
           </a:p>
           <a:p>
             <a:pPr lvl="1"/>
             <a:r>
-              <a:rPr lang="en-US" smtClean="0"/>
+              <a:rPr lang="en-US"/>
               <a:t>Second level</a:t>
             </a:r>
-            <a:endParaRPr lang="en-US" smtClean="0"/>
           </a:p>
           <a:p>
             <a:pPr lvl="2"/>
             <a:r>
-              <a:rPr lang="en-US" smtClean="0"/>
+              <a:rPr lang="en-US"/>
               <a:t>Third level</a:t>
             </a:r>
-            <a:endParaRPr lang="en-US" smtClean="0"/>
           </a:p>
           <a:p>
             <a:pPr lvl="3"/>
             <a:r>
-              <a:rPr lang="en-US" smtClean="0"/>
+              <a:rPr lang="en-US"/>
               <a:t>Fourth level</a:t>
             </a:r>
-            <a:endParaRPr lang="en-US" smtClean="0"/>
           </a:p>
           <a:p>
             <a:pPr lvl="4"/>
             <a:r>
-              <a:rPr lang="en-US" smtClean="0"/>
+              <a:rPr lang="en-US"/>
               <a:t>Fifth level</a:t>
             </a:r>
-            <a:endParaRPr lang="en-US"/>
           </a:p>
         </p:txBody>
       </p:sp>
@@ -381,6 +393,7 @@
           <a:p>
             <a:fld id="{21B2AA4F-B828-4D7C-AFD3-893933DAFCB4}" type="slidenum">
               <a:rPr lang="en-US" smtClean="0"/>
+              <a:t>‹#›</a:t>
             </a:fld>
             <a:endParaRPr lang="en-US"/>
           </a:p>
@@ -533,7 +546,9 @@
               </a:defRPr>
             </a:lvl1pPr>
           </a:lstStyle>
-          <a:p/>
+          <a:p>
+            <a:endParaRPr/>
+          </a:p>
         </p:txBody>
       </p:sp>
       <p:sp>
@@ -564,7 +579,9 @@
               <a:defRPr/>
             </a:lvl1pPr>
           </a:lstStyle>
-          <a:p/>
+          <a:p>
+            <a:endParaRPr/>
+          </a:p>
         </p:txBody>
       </p:sp>
       <p:sp>
@@ -591,7 +608,9 @@
               </a:defRPr>
             </a:lvl1pPr>
           </a:lstStyle>
-          <a:p/>
+          <a:p>
+            <a:endParaRPr/>
+          </a:p>
         </p:txBody>
       </p:sp>
       <p:sp>
@@ -621,6 +640,7 @@
           <a:p>
             <a:fld id="{1D8BD707-D9CF-40AE-B4C6-C98DA3205C09}" type="datetimeFigureOut">
               <a:rPr lang="en-US"/>
+              <a:t>8/12/2023</a:t>
             </a:fld>
             <a:endParaRPr lang="en-US"/>
           </a:p>
@@ -653,6 +673,7 @@
           <a:p>
             <a:fld id="{B6F15528-21DE-4FAA-801E-634DDDAF4B2B}" type="slidenum">
               <a:rPr/>
+              <a:t>‹#›</a:t>
             </a:fld>
             <a:endParaRPr/>
           </a:p>
@@ -708,7 +729,9 @@
               </a:defRPr>
             </a:lvl1pPr>
           </a:lstStyle>
-          <a:p/>
+          <a:p>
+            <a:endParaRPr/>
+          </a:p>
         </p:txBody>
       </p:sp>
       <p:sp>
@@ -735,7 +758,9 @@
               </a:defRPr>
             </a:lvl1pPr>
           </a:lstStyle>
-          <a:p/>
+          <a:p>
+            <a:endParaRPr/>
+          </a:p>
         </p:txBody>
       </p:sp>
       <p:sp>
@@ -762,7 +787,9 @@
               </a:defRPr>
             </a:lvl1pPr>
           </a:lstStyle>
-          <a:p/>
+          <a:p>
+            <a:endParaRPr/>
+          </a:p>
         </p:txBody>
       </p:sp>
       <p:sp>
@@ -792,6 +819,7 @@
           <a:p>
             <a:fld id="{1D8BD707-D9CF-40AE-B4C6-C98DA3205C09}" type="datetimeFigureOut">
               <a:rPr lang="en-US"/>
+              <a:t>8/12/2023</a:t>
             </a:fld>
             <a:endParaRPr lang="en-US"/>
           </a:p>
@@ -824,6 +852,7 @@
           <a:p>
             <a:fld id="{B6F15528-21DE-4FAA-801E-634DDDAF4B2B}" type="slidenum">
               <a:rPr/>
+              <a:t>‹#›</a:t>
             </a:fld>
             <a:endParaRPr/>
           </a:p>
@@ -879,7 +908,9 @@
               </a:defRPr>
             </a:lvl1pPr>
           </a:lstStyle>
-          <a:p/>
+          <a:p>
+            <a:endParaRPr/>
+          </a:p>
         </p:txBody>
       </p:sp>
       <p:sp>
@@ -910,7 +941,9 @@
               <a:defRPr/>
             </a:lvl1pPr>
           </a:lstStyle>
-          <a:p/>
+          <a:p>
+            <a:endParaRPr/>
+          </a:p>
         </p:txBody>
       </p:sp>
       <p:sp>
@@ -941,7 +974,9 @@
               <a:defRPr/>
             </a:lvl1pPr>
           </a:lstStyle>
-          <a:p/>
+          <a:p>
+            <a:endParaRPr/>
+          </a:p>
         </p:txBody>
       </p:sp>
       <p:sp>
@@ -968,7 +1003,9 @@
               </a:defRPr>
             </a:lvl1pPr>
           </a:lstStyle>
-          <a:p/>
+          <a:p>
+            <a:endParaRPr/>
+          </a:p>
         </p:txBody>
       </p:sp>
       <p:sp>
@@ -998,6 +1035,7 @@
           <a:p>
             <a:fld id="{1D8BD707-D9CF-40AE-B4C6-C98DA3205C09}" type="datetimeFigureOut">
               <a:rPr lang="en-US"/>
+              <a:t>8/12/2023</a:t>
             </a:fld>
             <a:endParaRPr lang="en-US"/>
           </a:p>
@@ -1030,6 +1068,7 @@
           <a:p>
             <a:fld id="{B6F15528-21DE-4FAA-801E-634DDDAF4B2B}" type="slidenum">
               <a:rPr/>
+              <a:t>‹#›</a:t>
             </a:fld>
             <a:endParaRPr/>
           </a:p>
@@ -1085,7 +1124,9 @@
               </a:defRPr>
             </a:lvl1pPr>
           </a:lstStyle>
-          <a:p/>
+          <a:p>
+            <a:endParaRPr/>
+          </a:p>
         </p:txBody>
       </p:sp>
       <p:sp>
@@ -1112,7 +1153,9 @@
               </a:defRPr>
             </a:lvl1pPr>
           </a:lstStyle>
-          <a:p/>
+          <a:p>
+            <a:endParaRPr/>
+          </a:p>
         </p:txBody>
       </p:sp>
       <p:sp>
@@ -1142,6 +1185,7 @@
           <a:p>
             <a:fld id="{1D8BD707-D9CF-40AE-B4C6-C98DA3205C09}" type="datetimeFigureOut">
               <a:rPr lang="en-US"/>
+              <a:t>8/12/2023</a:t>
             </a:fld>
             <a:endParaRPr lang="en-US"/>
           </a:p>
@@ -1174,6 +1218,7 @@
           <a:p>
             <a:fld id="{B6F15528-21DE-4FAA-801E-634DDDAF4B2B}" type="slidenum">
               <a:rPr/>
+              <a:t>‹#›</a:t>
             </a:fld>
             <a:endParaRPr/>
           </a:p>
@@ -1229,7 +1274,9 @@
               </a:defRPr>
             </a:lvl1pPr>
           </a:lstStyle>
-          <a:p/>
+          <a:p>
+            <a:endParaRPr/>
+          </a:p>
         </p:txBody>
       </p:sp>
       <p:sp>
@@ -1259,6 +1306,7 @@
           <a:p>
             <a:fld id="{1D8BD707-D9CF-40AE-B4C6-C98DA3205C09}" type="datetimeFigureOut">
               <a:rPr lang="en-US"/>
+              <a:t>8/12/2023</a:t>
             </a:fld>
             <a:endParaRPr lang="en-US"/>
           </a:p>
@@ -1291,6 +1339,7 @@
           <a:p>
             <a:fld id="{B6F15528-21DE-4FAA-801E-634DDDAF4B2B}" type="slidenum">
               <a:rPr/>
+              <a:t>‹#›</a:t>
             </a:fld>
             <a:endParaRPr/>
           </a:p>
@@ -1364,7 +1413,9 @@
               </a:defRPr>
             </a:lvl1pPr>
           </a:lstStyle>
-          <a:p/>
+          <a:p>
+            <a:endParaRPr/>
+          </a:p>
         </p:txBody>
       </p:sp>
       <p:sp>
@@ -1401,7 +1452,9 @@
               </a:defRPr>
             </a:lvl1pPr>
           </a:lstStyle>
-          <a:p/>
+          <a:p>
+            <a:endParaRPr/>
+          </a:p>
         </p:txBody>
       </p:sp>
       <p:sp>
@@ -1438,7 +1491,9 @@
               </a:defRPr>
             </a:lvl1pPr>
           </a:lstStyle>
-          <a:p/>
+          <a:p>
+            <a:endParaRPr/>
+          </a:p>
         </p:txBody>
       </p:sp>
       <p:sp>
@@ -1478,6 +1533,7 @@
           <a:p>
             <a:fld id="{1D8BD707-D9CF-40AE-B4C6-C98DA3205C09}" type="datetimeFigureOut">
               <a:rPr lang="en-US"/>
+              <a:t>8/12/2023</a:t>
             </a:fld>
             <a:endParaRPr lang="en-US"/>
           </a:p>
@@ -1520,6 +1576,7 @@
           <a:p>
             <a:fld id="{B6F15528-21DE-4FAA-801E-634DDDAF4B2B}" type="slidenum">
               <a:rPr/>
+              <a:t>‹#›</a:t>
             </a:fld>
             <a:endParaRPr/>
           </a:p>
@@ -1979,7 +2036,7 @@
             <p:nvPr/>
           </p:nvPicPr>
           <p:blipFill>
-            <a:blip r:embed="rId1" cstate="print"/>
+            <a:blip r:embed="rId2" cstate="print"/>
             <a:stretch>
               <a:fillRect/>
             </a:stretch>
@@ -2031,7 +2088,9 @@
           <p:txBody>
             <a:bodyPr wrap="square" lIns="0" tIns="0" rIns="0" bIns="0" rtlCol="0"/>
             <a:lstStyle/>
-            <a:p/>
+            <a:p>
+              <a:endParaRPr/>
+            </a:p>
           </p:txBody>
         </p:sp>
       </p:grpSp>
@@ -2048,9 +2107,11 @@
         <p:spPr/>
         <p:txBody>
           <a:bodyPr/>
+          <a:lstStyle/>
           <a:p>
             <a:fld id="{B6F15528-21DE-4FAA-801E-634DDDAF4B2B}" type="slidenum">
               <a:rPr/>
+              <a:t>1</a:t>
             </a:fld>
             <a:endParaRPr/>
           </a:p>
@@ -2088,7 +2149,7 @@
           <p:nvPr/>
         </p:nvPicPr>
         <p:blipFill>
-          <a:blip r:embed="rId1" cstate="print"/>
+          <a:blip r:embed="rId2" cstate="print"/>
           <a:stretch>
             <a:fillRect/>
           </a:stretch>
@@ -2116,9 +2177,11 @@
         <p:spPr/>
         <p:txBody>
           <a:bodyPr/>
+          <a:lstStyle/>
           <a:p>
             <a:fld id="{B6F15528-21DE-4FAA-801E-634DDDAF4B2B}" type="slidenum">
               <a:rPr/>
+              <a:t>10</a:t>
             </a:fld>
             <a:endParaRPr/>
           </a:p>
@@ -2141,7 +2204,14 @@
         <p:cNvGrpSpPr/>
         <p:nvPr/>
       </p:nvGrpSpPr>
-      <p:grpSpPr/>
+      <p:grpSpPr>
+        <a:xfrm>
+          <a:off x="0" y="0"/>
+          <a:ext cx="0" cy="0"/>
+          <a:chOff x="0" y="0"/>
+          <a:chExt cx="0" cy="0"/>
+        </a:xfrm>
+      </p:grpSpPr>
       <p:sp>
         <p:nvSpPr>
           <p:cNvPr id="4" name="Slide Number Placeholder 3"/>
@@ -2155,9 +2225,11 @@
         <p:spPr/>
         <p:txBody>
           <a:bodyPr/>
+          <a:lstStyle/>
           <a:p>
             <a:fld id="{B6F15528-21DE-4FAA-801E-634DDDAF4B2B}" type="slidenum">
               <a:rPr/>
+              <a:t>11</a:t>
             </a:fld>
             <a:endParaRPr/>
           </a:p>
@@ -2172,7 +2244,7 @@
           <p:nvPr/>
         </p:nvPicPr>
         <p:blipFill>
-          <a:blip r:embed="rId1"/>
+          <a:blip r:embed="rId2"/>
           <a:stretch>
             <a:fillRect/>
           </a:stretch>
@@ -2204,7 +2276,14 @@
         <p:cNvGrpSpPr/>
         <p:nvPr/>
       </p:nvGrpSpPr>
-      <p:grpSpPr/>
+      <p:grpSpPr>
+        <a:xfrm>
+          <a:off x="0" y="0"/>
+          <a:ext cx="0" cy="0"/>
+          <a:chOff x="0" y="0"/>
+          <a:chExt cx="0" cy="0"/>
+        </a:xfrm>
+      </p:grpSpPr>
       <p:sp>
         <p:nvSpPr>
           <p:cNvPr id="2" name="Title 1"/>
@@ -2218,6 +2297,7 @@
         <p:spPr/>
         <p:txBody>
           <a:bodyPr/>
+          <a:lstStyle/>
           <a:p>
             <a:endParaRPr lang="en-US"/>
           </a:p>
@@ -2236,6 +2316,7 @@
         <p:spPr/>
         <p:txBody>
           <a:bodyPr/>
+          <a:lstStyle/>
           <a:p>
             <a:endParaRPr lang="en-US"/>
           </a:p>
@@ -2254,9 +2335,11 @@
         <p:spPr/>
         <p:txBody>
           <a:bodyPr/>
+          <a:lstStyle/>
           <a:p>
             <a:fld id="{B6F15528-21DE-4FAA-801E-634DDDAF4B2B}" type="slidenum">
               <a:rPr/>
+              <a:t>12</a:t>
             </a:fld>
             <a:endParaRPr/>
           </a:p>
@@ -2271,7 +2354,7 @@
           <p:nvPr/>
         </p:nvPicPr>
         <p:blipFill>
-          <a:blip r:embed="rId1"/>
+          <a:blip r:embed="rId2"/>
           <a:stretch>
             <a:fillRect/>
           </a:stretch>
@@ -2318,7 +2401,7 @@
           <p:nvPr/>
         </p:nvPicPr>
         <p:blipFill>
-          <a:blip r:embed="rId1" cstate="print"/>
+          <a:blip r:embed="rId2" cstate="print"/>
           <a:stretch>
             <a:fillRect/>
           </a:stretch>
@@ -2346,9 +2429,11 @@
         <p:spPr/>
         <p:txBody>
           <a:bodyPr/>
+          <a:lstStyle/>
           <a:p>
             <a:fld id="{B6F15528-21DE-4FAA-801E-634DDDAF4B2B}" type="slidenum">
               <a:rPr/>
+              <a:t>13</a:t>
             </a:fld>
             <a:endParaRPr/>
           </a:p>
@@ -2386,7 +2471,7 @@
           <p:nvPr/>
         </p:nvPicPr>
         <p:blipFill>
-          <a:blip r:embed="rId1" cstate="print"/>
+          <a:blip r:embed="rId2" cstate="print"/>
           <a:stretch>
             <a:fillRect/>
           </a:stretch>
@@ -2414,9 +2499,11 @@
         <p:spPr/>
         <p:txBody>
           <a:bodyPr/>
+          <a:lstStyle/>
           <a:p>
             <a:fld id="{B6F15528-21DE-4FAA-801E-634DDDAF4B2B}" type="slidenum">
               <a:rPr/>
+              <a:t>14</a:t>
             </a:fld>
             <a:endParaRPr/>
           </a:p>
@@ -2454,7 +2541,7 @@
           <p:nvPr/>
         </p:nvPicPr>
         <p:blipFill>
-          <a:blip r:embed="rId1" cstate="print"/>
+          <a:blip r:embed="rId2" cstate="print"/>
           <a:stretch>
             <a:fillRect/>
           </a:stretch>
@@ -2798,9 +2885,11 @@
         <p:spPr/>
         <p:txBody>
           <a:bodyPr/>
+          <a:lstStyle/>
           <a:p>
             <a:fld id="{B6F15528-21DE-4FAA-801E-634DDDAF4B2B}" type="slidenum">
               <a:rPr/>
+              <a:t>15</a:t>
             </a:fld>
             <a:endParaRPr/>
           </a:p>
@@ -2884,7 +2973,6 @@
               <a:rPr spc="-50" dirty="0"/>
               <a:t>Servlets</a:t>
             </a:r>
-            <a:endParaRPr spc="-50" dirty="0"/>
           </a:p>
         </p:txBody>
       </p:sp>
@@ -2909,7 +2997,7 @@
             <p:nvPr/>
           </p:nvPicPr>
           <p:blipFill>
-            <a:blip r:embed="rId1" cstate="print"/>
+            <a:blip r:embed="rId2" cstate="print"/>
             <a:stretch>
               <a:fillRect/>
             </a:stretch>
@@ -2961,7 +3049,9 @@
           <p:txBody>
             <a:bodyPr wrap="square" lIns="0" tIns="0" rIns="0" bIns="0" rtlCol="0"/>
             <a:lstStyle/>
-            <a:p/>
+            <a:p>
+              <a:endParaRPr/>
+            </a:p>
           </p:txBody>
         </p:sp>
       </p:grpSp>
@@ -2978,9 +3068,11 @@
         <p:spPr/>
         <p:txBody>
           <a:bodyPr/>
+          <a:lstStyle/>
           <a:p>
             <a:fld id="{B6F15528-21DE-4FAA-801E-634DDDAF4B2B}" type="slidenum">
               <a:rPr/>
+              <a:t>16</a:t>
             </a:fld>
             <a:endParaRPr/>
           </a:p>
@@ -3345,7 +3437,6 @@
               <a:rPr spc="-35" dirty="0"/>
               <a:t>model.</a:t>
             </a:r>
-            <a:endParaRPr spc="-35" dirty="0"/>
           </a:p>
         </p:txBody>
       </p:sp>
@@ -3362,9 +3453,11 @@
         <p:spPr/>
         <p:txBody>
           <a:bodyPr/>
+          <a:lstStyle/>
           <a:p>
             <a:fld id="{B6F15528-21DE-4FAA-801E-634DDDAF4B2B}" type="slidenum">
               <a:rPr/>
+              <a:t>17</a:t>
             </a:fld>
             <a:endParaRPr/>
           </a:p>
@@ -3402,7 +3495,7 @@
           <p:nvPr/>
         </p:nvPicPr>
         <p:blipFill>
-          <a:blip r:embed="rId1" cstate="print"/>
+          <a:blip r:embed="rId2" cstate="print"/>
           <a:stretch>
             <a:fillRect/>
           </a:stretch>
@@ -3470,7 +3563,6 @@
               <a:rPr spc="-50" dirty="0"/>
               <a:t>Servlets</a:t>
             </a:r>
-            <a:endParaRPr spc="-50" dirty="0"/>
           </a:p>
         </p:txBody>
       </p:sp>
@@ -3586,7 +3678,7 @@
           <p:nvPr/>
         </p:nvPicPr>
         <p:blipFill>
-          <a:blip r:embed="rId2" cstate="print"/>
+          <a:blip r:embed="rId3" cstate="print"/>
           <a:stretch>
             <a:fillRect/>
           </a:stretch>
@@ -3608,7 +3700,7 @@
           <p:nvPr/>
         </p:nvPicPr>
         <p:blipFill>
-          <a:blip r:embed="rId3" cstate="print"/>
+          <a:blip r:embed="rId4" cstate="print"/>
           <a:stretch>
             <a:fillRect/>
           </a:stretch>
@@ -3630,7 +3722,7 @@
           <p:nvPr/>
         </p:nvPicPr>
         <p:blipFill>
-          <a:blip r:embed="rId4" cstate="print"/>
+          <a:blip r:embed="rId5" cstate="print"/>
           <a:stretch>
             <a:fillRect/>
           </a:stretch>
@@ -3752,7 +3844,17 @@
                 <a:latin typeface="Verdana" panose="020B0604030504040204"/>
                 <a:cs typeface="Verdana" panose="020B0604030504040204"/>
               </a:rPr>
-              <a:t>e</a:t>
+              <a:t>en</a:t>
+            </a:r>
+            <a:r>
+              <a:rPr sz="2200" spc="90" dirty="0">
+                <a:solidFill>
+                  <a:srgbClr val="E46C0A"/>
+                </a:solidFill>
+                <a:latin typeface="Verdana" panose="020B0604030504040204"/>
+                <a:cs typeface="Verdana" panose="020B0604030504040204"/>
+              </a:rPr>
+              <a:t>d</a:t>
             </a:r>
             <a:r>
               <a:rPr sz="2200" spc="-30" dirty="0">
@@ -3762,37 +3864,7 @@
                 <a:latin typeface="Verdana" panose="020B0604030504040204"/>
                 <a:cs typeface="Verdana" panose="020B0604030504040204"/>
               </a:rPr>
-              <a:t>n</a:t>
-            </a:r>
-            <a:r>
-              <a:rPr sz="2200" spc="90" dirty="0">
-                <a:solidFill>
-                  <a:srgbClr val="E46C0A"/>
-                </a:solidFill>
-                <a:latin typeface="Verdana" panose="020B0604030504040204"/>
-                <a:cs typeface="Verdana" panose="020B0604030504040204"/>
-              </a:rPr>
-              <a:t>d</a:t>
-            </a:r>
-            <a:r>
-              <a:rPr sz="2200" spc="-30" dirty="0">
-                <a:solidFill>
-                  <a:srgbClr val="E46C0A"/>
-                </a:solidFill>
-                <a:latin typeface="Verdana" panose="020B0604030504040204"/>
-                <a:cs typeface="Verdana" panose="020B0604030504040204"/>
-              </a:rPr>
-              <a:t>e</a:t>
-            </a:r>
-            <a:r>
-              <a:rPr sz="2200" spc="-30" dirty="0">
-                <a:solidFill>
-                  <a:srgbClr val="E46C0A"/>
-                </a:solidFill>
-                <a:latin typeface="Verdana" panose="020B0604030504040204"/>
-                <a:cs typeface="Verdana" panose="020B0604030504040204"/>
-              </a:rPr>
-              <a:t>n</a:t>
+              <a:t>en</a:t>
             </a:r>
             <a:r>
               <a:rPr sz="2200" spc="20" dirty="0">
@@ -3904,35 +3976,21 @@
                 <a:latin typeface="Verdana" panose="020B0604030504040204"/>
                 <a:cs typeface="Verdana" panose="020B0604030504040204"/>
               </a:rPr>
-              <a:t>e</a:t>
+              <a:t>en</a:t>
+            </a:r>
+            <a:r>
+              <a:rPr sz="2200" spc="90" dirty="0">
+                <a:latin typeface="Verdana" panose="020B0604030504040204"/>
+                <a:cs typeface="Verdana" panose="020B0604030504040204"/>
+              </a:rPr>
+              <a:t>d</a:t>
             </a:r>
             <a:r>
               <a:rPr sz="2200" spc="-30" dirty="0">
                 <a:latin typeface="Verdana" panose="020B0604030504040204"/>
                 <a:cs typeface="Verdana" panose="020B0604030504040204"/>
               </a:rPr>
-              <a:t>n</a:t>
-            </a:r>
-            <a:r>
-              <a:rPr sz="2200" spc="90" dirty="0">
-                <a:latin typeface="Verdana" panose="020B0604030504040204"/>
-                <a:cs typeface="Verdana" panose="020B0604030504040204"/>
-              </a:rPr>
-              <a:t>d</a:t>
-            </a:r>
-            <a:r>
-              <a:rPr sz="2200" spc="-30" dirty="0">
-                <a:latin typeface="Verdana" panose="020B0604030504040204"/>
-                <a:cs typeface="Verdana" panose="020B0604030504040204"/>
-              </a:rPr>
-              <a:t>e</a:t>
-            </a:r>
-            <a:r>
-              <a:rPr sz="2200" spc="-30" dirty="0">
-                <a:latin typeface="Verdana" panose="020B0604030504040204"/>
-                <a:cs typeface="Verdana" panose="020B0604030504040204"/>
-              </a:rPr>
-              <a:t>n</a:t>
+              <a:t>en</a:t>
             </a:r>
             <a:r>
               <a:rPr sz="2200" spc="20" dirty="0">
@@ -4025,17 +4083,7 @@
                 <a:latin typeface="Verdana" panose="020B0604030504040204"/>
                 <a:cs typeface="Verdana" panose="020B0604030504040204"/>
               </a:rPr>
-              <a:t>t</a:t>
-            </a:r>
-            <a:r>
-              <a:rPr sz="2200" spc="-20" dirty="0">
-                <a:solidFill>
-                  <a:srgbClr val="E46C0A"/>
-                </a:solidFill>
-                <a:latin typeface="Verdana" panose="020B0604030504040204"/>
-                <a:cs typeface="Verdana" panose="020B0604030504040204"/>
-              </a:rPr>
-              <a:t>e</a:t>
+              <a:t>te</a:t>
             </a:r>
             <a:r>
               <a:rPr sz="2200" spc="85" dirty="0">
@@ -4296,9 +4344,11 @@
         <p:spPr/>
         <p:txBody>
           <a:bodyPr/>
+          <a:lstStyle/>
           <a:p>
             <a:fld id="{B6F15528-21DE-4FAA-801E-634DDDAF4B2B}" type="slidenum">
               <a:rPr/>
+              <a:t>18</a:t>
             </a:fld>
             <a:endParaRPr/>
           </a:p>
@@ -4336,7 +4386,7 @@
           <p:nvPr/>
         </p:nvPicPr>
         <p:blipFill>
-          <a:blip r:embed="rId1" cstate="print"/>
+          <a:blip r:embed="rId2" cstate="print"/>
           <a:stretch>
             <a:fillRect/>
           </a:stretch>
@@ -4483,14 +4533,7 @@
                 <a:latin typeface="Verdana" panose="020B0604030504040204"/>
                 <a:cs typeface="Verdana" panose="020B0604030504040204"/>
               </a:rPr>
-              <a:t> </a:t>
-            </a:r>
-            <a:r>
-              <a:rPr sz="2400" spc="-105" dirty="0">
-                <a:latin typeface="Verdana" panose="020B0604030504040204"/>
-                <a:cs typeface="Verdana" panose="020B0604030504040204"/>
-              </a:rPr>
-              <a:t>S</a:t>
+              <a:t> S</a:t>
             </a:r>
             <a:r>
               <a:rPr sz="2400" spc="-45" dirty="0">
@@ -4527,10 +4570,6 @@
               </a:rPr>
               <a:t>et</a:t>
             </a:r>
-            <a:endParaRPr sz="2400">
-              <a:latin typeface="Verdana" panose="020B0604030504040204"/>
-              <a:cs typeface="Verdana" panose="020B0604030504040204"/>
-            </a:endParaRPr>
           </a:p>
           <a:p>
             <a:pPr marL="12700" marR="5080">
@@ -4630,9 +4669,29 @@
                 <a:latin typeface="Verdana" panose="020B0604030504040204"/>
                 <a:cs typeface="Verdana" panose="020B0604030504040204"/>
               </a:rPr>
-              <a:t>Mange</a:t>
-            </a:r>
-            <a:endParaRPr sz="2400">
+              <a:t>Man</a:t>
+            </a:r>
+            <a:r>
+              <a:rPr lang="en-US" sz="2400" spc="10" dirty="0">
+                <a:solidFill>
+                  <a:srgbClr val="E46C0A"/>
+                </a:solidFill>
+                <a:latin typeface="Verdana" panose="020B0604030504040204"/>
+                <a:cs typeface="Verdana" panose="020B0604030504040204"/>
+              </a:rPr>
+              <a:t>a</a:t>
+            </a:r>
+            <a:r>
+              <a:rPr sz="2400" spc="10" dirty="0">
+                <a:solidFill>
+                  <a:srgbClr val="E46C0A"/>
+                </a:solidFill>
+                <a:latin typeface="Verdana" panose="020B0604030504040204"/>
+                <a:cs typeface="Verdana" panose="020B0604030504040204"/>
+              </a:rPr>
+              <a:t>ge</a:t>
+            </a:r>
+            <a:endParaRPr sz="2400" dirty="0">
               <a:latin typeface="Verdana" panose="020B0604030504040204"/>
               <a:cs typeface="Verdana" panose="020B0604030504040204"/>
             </a:endParaRPr>
@@ -4653,7 +4712,7 @@
               </a:rPr>
               <a:t>-Life</a:t>
             </a:r>
-            <a:endParaRPr sz="2400">
+            <a:endParaRPr sz="2400" dirty="0">
               <a:latin typeface="Verdana" panose="020B0604030504040204"/>
               <a:cs typeface="Verdana" panose="020B0604030504040204"/>
             </a:endParaRPr>
@@ -4674,7 +4733,7 @@
               </a:rPr>
               <a:t>-Death</a:t>
             </a:r>
-            <a:endParaRPr sz="2400">
+            <a:endParaRPr sz="2400" dirty="0">
               <a:latin typeface="Verdana" panose="020B0604030504040204"/>
               <a:cs typeface="Verdana" panose="020B0604030504040204"/>
             </a:endParaRPr>
@@ -4776,7 +4835,7 @@
               </a:rPr>
               <a:t>Containers</a:t>
             </a:r>
-            <a:endParaRPr sz="2400">
+            <a:endParaRPr sz="2400" dirty="0">
               <a:latin typeface="Verdana" panose="020B0604030504040204"/>
               <a:cs typeface="Verdana" panose="020B0604030504040204"/>
             </a:endParaRPr>
@@ -4840,7 +4899,7 @@
               </a:rPr>
               <a:t>Resin</a:t>
             </a:r>
-            <a:endParaRPr sz="2400">
+            <a:endParaRPr sz="2400" dirty="0">
               <a:latin typeface="Verdana" panose="020B0604030504040204"/>
               <a:cs typeface="Verdana" panose="020B0604030504040204"/>
             </a:endParaRPr>
@@ -4860,9 +4919,11 @@
         <p:spPr/>
         <p:txBody>
           <a:bodyPr/>
+          <a:lstStyle/>
           <a:p>
             <a:fld id="{B6F15528-21DE-4FAA-801E-634DDDAF4B2B}" type="slidenum">
               <a:rPr/>
+              <a:t>19</a:t>
             </a:fld>
             <a:endParaRPr/>
           </a:p>
@@ -4900,7 +4961,7 @@
           <p:nvPr/>
         </p:nvPicPr>
         <p:blipFill>
-          <a:blip r:embed="rId1" cstate="print"/>
+          <a:blip r:embed="rId2" cstate="print"/>
           <a:stretch>
             <a:fillRect/>
           </a:stretch>
@@ -4954,14 +5015,7 @@
                 <a:latin typeface="Verdana" panose="020B0604030504040204"/>
                 <a:cs typeface="Verdana" panose="020B0604030504040204"/>
               </a:rPr>
-              <a:t>I</a:t>
-            </a:r>
-            <a:r>
-              <a:rPr sz="2000" spc="-10" dirty="0">
-                <a:latin typeface="Verdana" panose="020B0604030504040204"/>
-                <a:cs typeface="Verdana" panose="020B0604030504040204"/>
-              </a:rPr>
-              <a:t>ntroduction</a:t>
+              <a:t>Introduction</a:t>
             </a:r>
             <a:endParaRPr sz="2000">
               <a:latin typeface="Verdana" panose="020B0604030504040204"/>
@@ -5644,9 +5698,11 @@
         <p:spPr/>
         <p:txBody>
           <a:bodyPr/>
+          <a:lstStyle/>
           <a:p>
             <a:fld id="{B6F15528-21DE-4FAA-801E-634DDDAF4B2B}" type="slidenum">
               <a:rPr/>
+              <a:t>2</a:t>
             </a:fld>
             <a:endParaRPr/>
           </a:p>
@@ -5730,7 +5786,6 @@
               <a:rPr spc="-50" dirty="0"/>
               <a:t>Servlets</a:t>
             </a:r>
-            <a:endParaRPr spc="-50" dirty="0"/>
           </a:p>
         </p:txBody>
       </p:sp>
@@ -5741,7 +5796,7 @@
           <p:nvPr/>
         </p:nvPicPr>
         <p:blipFill>
-          <a:blip r:embed="rId1" cstate="print"/>
+          <a:blip r:embed="rId2" cstate="print"/>
           <a:stretch>
             <a:fillRect/>
           </a:stretch>
@@ -5769,9 +5824,11 @@
         <p:spPr/>
         <p:txBody>
           <a:bodyPr/>
+          <a:lstStyle/>
           <a:p>
             <a:fld id="{B6F15528-21DE-4FAA-801E-634DDDAF4B2B}" type="slidenum">
               <a:rPr/>
+              <a:t>20</a:t>
             </a:fld>
             <a:endParaRPr/>
           </a:p>
@@ -5809,7 +5866,7 @@
           <p:nvPr/>
         </p:nvPicPr>
         <p:blipFill>
-          <a:blip r:embed="rId1" cstate="print"/>
+          <a:blip r:embed="rId2" cstate="print"/>
           <a:stretch>
             <a:fillRect/>
           </a:stretch>
@@ -5873,7 +5930,6 @@
               <a:rPr spc="-50" dirty="0"/>
               <a:t>Servlets</a:t>
             </a:r>
-            <a:endParaRPr spc="-50" dirty="0"/>
           </a:p>
         </p:txBody>
       </p:sp>
@@ -5890,9 +5946,11 @@
         <p:spPr/>
         <p:txBody>
           <a:bodyPr/>
+          <a:lstStyle/>
           <a:p>
             <a:fld id="{B6F15528-21DE-4FAA-801E-634DDDAF4B2B}" type="slidenum">
               <a:rPr/>
+              <a:t>21</a:t>
             </a:fld>
             <a:endParaRPr/>
           </a:p>
@@ -5930,7 +5988,7 @@
           <p:nvPr/>
         </p:nvPicPr>
         <p:blipFill>
-          <a:blip r:embed="rId1" cstate="print"/>
+          <a:blip r:embed="rId2" cstate="print"/>
           <a:stretch>
             <a:fillRect/>
           </a:stretch>
@@ -5998,7 +6056,6 @@
               <a:rPr spc="-50" dirty="0"/>
               <a:t>Servlets</a:t>
             </a:r>
-            <a:endParaRPr spc="-50" dirty="0"/>
           </a:p>
         </p:txBody>
       </p:sp>
@@ -6015,9 +6072,11 @@
         <p:spPr/>
         <p:txBody>
           <a:bodyPr/>
+          <a:lstStyle/>
           <a:p>
             <a:fld id="{B6F15528-21DE-4FAA-801E-634DDDAF4B2B}" type="slidenum">
               <a:rPr/>
+              <a:t>22</a:t>
             </a:fld>
             <a:endParaRPr/>
           </a:p>
@@ -6055,7 +6114,7 @@
           <p:nvPr/>
         </p:nvPicPr>
         <p:blipFill>
-          <a:blip r:embed="rId1" cstate="print"/>
+          <a:blip r:embed="rId2" cstate="print"/>
           <a:stretch>
             <a:fillRect/>
           </a:stretch>
@@ -6119,7 +6178,6 @@
               <a:rPr spc="-50" dirty="0"/>
               <a:t>Servlets</a:t>
             </a:r>
-            <a:endParaRPr spc="-50" dirty="0"/>
           </a:p>
         </p:txBody>
       </p:sp>
@@ -6136,9 +6194,11 @@
         <p:spPr/>
         <p:txBody>
           <a:bodyPr/>
+          <a:lstStyle/>
           <a:p>
             <a:fld id="{B6F15528-21DE-4FAA-801E-634DDDAF4B2B}" type="slidenum">
               <a:rPr/>
+              <a:t>23</a:t>
             </a:fld>
             <a:endParaRPr/>
           </a:p>
@@ -6176,7 +6236,7 @@
           <p:nvPr/>
         </p:nvPicPr>
         <p:blipFill>
-          <a:blip r:embed="rId1" cstate="print"/>
+          <a:blip r:embed="rId2" cstate="print"/>
           <a:stretch>
             <a:fillRect/>
           </a:stretch>
@@ -6240,7 +6300,6 @@
               <a:rPr spc="-50" dirty="0"/>
               <a:t>Servlets</a:t>
             </a:r>
-            <a:endParaRPr spc="-50" dirty="0"/>
           </a:p>
         </p:txBody>
       </p:sp>
@@ -6257,9 +6316,11 @@
         <p:spPr/>
         <p:txBody>
           <a:bodyPr/>
+          <a:lstStyle/>
           <a:p>
             <a:fld id="{B6F15528-21DE-4FAA-801E-634DDDAF4B2B}" type="slidenum">
               <a:rPr/>
+              <a:t>24</a:t>
             </a:fld>
             <a:endParaRPr/>
           </a:p>
@@ -6297,7 +6358,7 @@
           <p:nvPr/>
         </p:nvPicPr>
         <p:blipFill>
-          <a:blip r:embed="rId1" cstate="print"/>
+          <a:blip r:embed="rId2" cstate="print"/>
           <a:stretch>
             <a:fillRect/>
           </a:stretch>
@@ -6361,7 +6422,6 @@
               <a:rPr spc="-50" dirty="0"/>
               <a:t>Servlets</a:t>
             </a:r>
-            <a:endParaRPr spc="-50" dirty="0"/>
           </a:p>
         </p:txBody>
       </p:sp>
@@ -6378,9 +6438,11 @@
         <p:spPr/>
         <p:txBody>
           <a:bodyPr/>
+          <a:lstStyle/>
           <a:p>
             <a:fld id="{B6F15528-21DE-4FAA-801E-634DDDAF4B2B}" type="slidenum">
               <a:rPr/>
+              <a:t>25</a:t>
             </a:fld>
             <a:endParaRPr/>
           </a:p>
@@ -6464,7 +6526,6 @@
               <a:rPr spc="25" dirty="0"/>
               <a:t>Cycle</a:t>
             </a:r>
-            <a:endParaRPr spc="25" dirty="0"/>
           </a:p>
         </p:txBody>
       </p:sp>
@@ -6489,7 +6550,7 @@
             <p:nvPr/>
           </p:nvPicPr>
           <p:blipFill>
-            <a:blip r:embed="rId1" cstate="print"/>
+            <a:blip r:embed="rId2" cstate="print"/>
             <a:stretch>
               <a:fillRect/>
             </a:stretch>
@@ -6541,7 +6602,9 @@
           <p:txBody>
             <a:bodyPr wrap="square" lIns="0" tIns="0" rIns="0" bIns="0" rtlCol="0"/>
             <a:lstStyle/>
-            <a:p/>
+            <a:p>
+              <a:endParaRPr/>
+            </a:p>
           </p:txBody>
         </p:sp>
       </p:grpSp>
@@ -6558,9 +6621,11 @@
         <p:spPr/>
         <p:txBody>
           <a:bodyPr/>
+          <a:lstStyle/>
           <a:p>
             <a:fld id="{B6F15528-21DE-4FAA-801E-634DDDAF4B2B}" type="slidenum">
               <a:rPr/>
+              <a:t>26</a:t>
             </a:fld>
             <a:endParaRPr/>
           </a:p>
@@ -6644,7 +6709,6 @@
               <a:rPr spc="-40" dirty="0"/>
               <a:t>Hierarchy</a:t>
             </a:r>
-            <a:endParaRPr spc="-40" dirty="0"/>
           </a:p>
         </p:txBody>
       </p:sp>
@@ -6655,7 +6719,7 @@
           <p:nvPr/>
         </p:nvPicPr>
         <p:blipFill>
-          <a:blip r:embed="rId1" cstate="print"/>
+          <a:blip r:embed="rId2" cstate="print"/>
           <a:stretch>
             <a:fillRect/>
           </a:stretch>
@@ -6683,9 +6747,11 @@
         <p:spPr/>
         <p:txBody>
           <a:bodyPr/>
+          <a:lstStyle/>
           <a:p>
             <a:fld id="{B6F15528-21DE-4FAA-801E-634DDDAF4B2B}" type="slidenum">
               <a:rPr/>
+              <a:t>27</a:t>
             </a:fld>
             <a:endParaRPr/>
           </a:p>
@@ -6723,7 +6789,7 @@
           <p:nvPr/>
         </p:nvPicPr>
         <p:blipFill>
-          <a:blip r:embed="rId1" cstate="print"/>
+          <a:blip r:embed="rId2" cstate="print"/>
           <a:stretch>
             <a:fillRect/>
           </a:stretch>
@@ -6791,7 +6857,6 @@
               <a:rPr spc="-40" dirty="0"/>
               <a:t>Hierarchy</a:t>
             </a:r>
-            <a:endParaRPr spc="-40" dirty="0"/>
           </a:p>
         </p:txBody>
       </p:sp>
@@ -6808,9 +6873,11 @@
         <p:spPr/>
         <p:txBody>
           <a:bodyPr/>
+          <a:lstStyle/>
           <a:p>
             <a:fld id="{B6F15528-21DE-4FAA-801E-634DDDAF4B2B}" type="slidenum">
               <a:rPr/>
+              <a:t>28</a:t>
             </a:fld>
             <a:endParaRPr/>
           </a:p>
@@ -6848,7 +6915,7 @@
           <p:nvPr/>
         </p:nvPicPr>
         <p:blipFill>
-          <a:blip r:embed="rId1" cstate="print"/>
+          <a:blip r:embed="rId2" cstate="print"/>
           <a:stretch>
             <a:fillRect/>
           </a:stretch>
@@ -6916,7 +6983,6 @@
               <a:rPr spc="25" dirty="0"/>
               <a:t>Cycle</a:t>
             </a:r>
-            <a:endParaRPr spc="25" dirty="0"/>
           </a:p>
         </p:txBody>
       </p:sp>
@@ -6933,9 +6999,11 @@
         <p:spPr/>
         <p:txBody>
           <a:bodyPr/>
+          <a:lstStyle/>
           <a:p>
             <a:fld id="{B6F15528-21DE-4FAA-801E-634DDDAF4B2B}" type="slidenum">
               <a:rPr/>
+              <a:t>29</a:t>
             </a:fld>
             <a:endParaRPr/>
           </a:p>
@@ -7049,7 +7117,9 @@
         <p:txBody>
           <a:bodyPr wrap="square" lIns="0" tIns="0" rIns="0" bIns="0" rtlCol="0"/>
           <a:lstStyle/>
-          <a:p/>
+          <a:p>
+            <a:endParaRPr/>
+          </a:p>
         </p:txBody>
       </p:sp>
       <p:sp>
@@ -7274,9 +7344,11 @@
         <p:spPr/>
         <p:txBody>
           <a:bodyPr/>
+          <a:lstStyle/>
           <a:p>
             <a:fld id="{B6F15528-21DE-4FAA-801E-634DDDAF4B2B}" type="slidenum">
               <a:rPr/>
+              <a:t>3</a:t>
             </a:fld>
             <a:endParaRPr/>
           </a:p>
@@ -7376,7 +7448,6 @@
               <a:rPr spc="-80" dirty="0"/>
               <a:t>Server</a:t>
             </a:r>
-            <a:endParaRPr spc="-80" dirty="0"/>
           </a:p>
         </p:txBody>
       </p:sp>
@@ -7401,7 +7472,7 @@
             <p:nvPr/>
           </p:nvPicPr>
           <p:blipFill>
-            <a:blip r:embed="rId1" cstate="print"/>
+            <a:blip r:embed="rId2" cstate="print"/>
             <a:stretch>
               <a:fillRect/>
             </a:stretch>
@@ -7453,7 +7524,9 @@
           <p:txBody>
             <a:bodyPr wrap="square" lIns="0" tIns="0" rIns="0" bIns="0" rtlCol="0"/>
             <a:lstStyle/>
-            <a:p/>
+            <a:p>
+              <a:endParaRPr/>
+            </a:p>
           </p:txBody>
         </p:sp>
       </p:grpSp>
@@ -7470,9 +7543,11 @@
         <p:spPr/>
         <p:txBody>
           <a:bodyPr/>
+          <a:lstStyle/>
           <a:p>
             <a:fld id="{B6F15528-21DE-4FAA-801E-634DDDAF4B2B}" type="slidenum">
               <a:rPr/>
+              <a:t>30</a:t>
             </a:fld>
             <a:endParaRPr/>
           </a:p>
@@ -7510,7 +7585,7 @@
           <p:nvPr/>
         </p:nvPicPr>
         <p:blipFill>
-          <a:blip r:embed="rId1" cstate="print"/>
+          <a:blip r:embed="rId2" cstate="print"/>
           <a:stretch>
             <a:fillRect/>
           </a:stretch>
@@ -7718,9 +7793,11 @@
         <p:spPr/>
         <p:txBody>
           <a:bodyPr/>
+          <a:lstStyle/>
           <a:p>
             <a:fld id="{B6F15528-21DE-4FAA-801E-634DDDAF4B2B}" type="slidenum">
               <a:rPr/>
+              <a:t>31</a:t>
             </a:fld>
             <a:endParaRPr/>
           </a:p>
@@ -7758,7 +7835,7 @@
           <p:nvPr/>
         </p:nvPicPr>
         <p:blipFill>
-          <a:blip r:embed="rId1" cstate="print"/>
+          <a:blip r:embed="rId2" cstate="print"/>
           <a:stretch>
             <a:fillRect/>
           </a:stretch>
@@ -8060,17 +8137,7 @@
                 <a:latin typeface="Verdana" panose="020B0604030504040204"/>
                 <a:cs typeface="Verdana" panose="020B0604030504040204"/>
               </a:rPr>
-              <a:t>o</a:t>
-            </a:r>
-            <a:r>
-              <a:rPr sz="2400" spc="15" dirty="0">
-                <a:solidFill>
-                  <a:srgbClr val="212121"/>
-                </a:solidFill>
-                <a:latin typeface="Verdana" panose="020B0604030504040204"/>
-                <a:cs typeface="Verdana" panose="020B0604030504040204"/>
-              </a:rPr>
-              <a:t>r</a:t>
+              <a:t>or</a:t>
             </a:r>
             <a:r>
               <a:rPr sz="2400" spc="-65" dirty="0">
@@ -8397,9 +8464,11 @@
         <p:spPr/>
         <p:txBody>
           <a:bodyPr/>
+          <a:lstStyle/>
           <a:p>
             <a:fld id="{B6F15528-21DE-4FAA-801E-634DDDAF4B2B}" type="slidenum">
               <a:rPr/>
+              <a:t>4</a:t>
             </a:fld>
             <a:endParaRPr/>
           </a:p>
@@ -8437,7 +8506,7 @@
           <p:nvPr/>
         </p:nvPicPr>
         <p:blipFill>
-          <a:blip r:embed="rId1" cstate="print"/>
+          <a:blip r:embed="rId2" cstate="print"/>
           <a:stretch>
             <a:fillRect/>
           </a:stretch>
@@ -8465,9 +8534,11 @@
         <p:spPr/>
         <p:txBody>
           <a:bodyPr/>
+          <a:lstStyle/>
           <a:p>
             <a:fld id="{B6F15528-21DE-4FAA-801E-634DDDAF4B2B}" type="slidenum">
               <a:rPr/>
+              <a:t>5</a:t>
             </a:fld>
             <a:endParaRPr/>
           </a:p>
@@ -8505,7 +8576,7 @@
           <p:nvPr/>
         </p:nvPicPr>
         <p:blipFill>
-          <a:blip r:embed="rId1" cstate="print"/>
+          <a:blip r:embed="rId2" cstate="print"/>
           <a:stretch>
             <a:fillRect/>
           </a:stretch>
@@ -8533,9 +8604,11 @@
         <p:spPr/>
         <p:txBody>
           <a:bodyPr/>
+          <a:lstStyle/>
           <a:p>
             <a:fld id="{B6F15528-21DE-4FAA-801E-634DDDAF4B2B}" type="slidenum">
               <a:rPr/>
+              <a:t>6</a:t>
             </a:fld>
             <a:endParaRPr/>
           </a:p>
@@ -8573,7 +8646,7 @@
           <p:nvPr/>
         </p:nvPicPr>
         <p:blipFill>
-          <a:blip r:embed="rId1" cstate="print"/>
+          <a:blip r:embed="rId2" cstate="print"/>
           <a:stretch>
             <a:fillRect/>
           </a:stretch>
@@ -8601,9 +8674,11 @@
         <p:spPr/>
         <p:txBody>
           <a:bodyPr/>
+          <a:lstStyle/>
           <a:p>
             <a:fld id="{B6F15528-21DE-4FAA-801E-634DDDAF4B2B}" type="slidenum">
               <a:rPr/>
+              <a:t>7</a:t>
             </a:fld>
             <a:endParaRPr/>
           </a:p>
@@ -8641,7 +8716,7 @@
           <p:nvPr/>
         </p:nvPicPr>
         <p:blipFill>
-          <a:blip r:embed="rId1" cstate="print"/>
+          <a:blip r:embed="rId2" cstate="print"/>
           <a:stretch>
             <a:fillRect/>
           </a:stretch>
@@ -8669,9 +8744,11 @@
         <p:spPr/>
         <p:txBody>
           <a:bodyPr/>
+          <a:lstStyle/>
           <a:p>
             <a:fld id="{B6F15528-21DE-4FAA-801E-634DDDAF4B2B}" type="slidenum">
               <a:rPr/>
+              <a:t>8</a:t>
             </a:fld>
             <a:endParaRPr/>
           </a:p>
@@ -8709,7 +8786,7 @@
           <p:nvPr/>
         </p:nvPicPr>
         <p:blipFill>
-          <a:blip r:embed="rId1" cstate="print"/>
+          <a:blip r:embed="rId2" cstate="print"/>
           <a:stretch>
             <a:fillRect/>
           </a:stretch>
@@ -8737,9 +8814,11 @@
         <p:spPr/>
         <p:txBody>
           <a:bodyPr/>
+          <a:lstStyle/>
           <a:p>
             <a:fld id="{B6F15528-21DE-4FAA-801E-634DDDAF4B2B}" type="slidenum">
               <a:rPr/>
+              <a:t>9</a:t>
             </a:fld>
             <a:endParaRPr/>
           </a:p>
@@ -9031,6 +9110,8 @@
       </a:bgFillStyleLst>
     </a:fmtScheme>
   </a:themeElements>
+  <a:objectDefaults/>
+  <a:extraClrSchemeLst/>
   <a:extLst>
     <a:ext uri="{05A4C25C-085E-4340-85A3-A5531E510DB2}">
       <thm15:themeFamily xmlns:thm15="http://schemas.microsoft.com/office/thememl/2012/main" name="Office Theme" id="{62F939B6-93AF-4DB8-9C6B-D6C7DFDC589F}" vid="{4A3C46E8-61CC-4603-A589-7422A47A8E4A}"/>
@@ -9290,6 +9371,8 @@
       </a:bgFillStyleLst>
     </a:fmtScheme>
   </a:themeElements>
+  <a:objectDefaults/>
+  <a:extraClrSchemeLst/>
   <a:extLst>
     <a:ext uri="{05A4C25C-085E-4340-85A3-A5531E510DB2}">
       <thm15:themeFamily xmlns:thm15="http://schemas.microsoft.com/office/thememl/2012/main" name="Office Theme" id="{62F939B6-93AF-4DB8-9C6B-D6C7DFDC589F}" vid="{4A3C46E8-61CC-4603-A589-7422A47A8E4A}"/>
